--- a/ProjectDocumentation/M4hjong.pptx
+++ b/ProjectDocumentation/M4hjong.pptx
@@ -213,7 +213,7 @@
           <a:effectLst/>
           <a:extLst>
             <a:ext uri="{91240B29-F687-4f45-9708-019B960494DF}">
-              <a14:hiddenLine xmlns="" xmlns:a14="http://schemas.microsoft.com/office/drawing/2010/main" w="9525">
+              <a14:hiddenLine xmlns:a14="http://schemas.microsoft.com/office/drawing/2010/main" xmlns="" w="9525">
                 <a:solidFill>
                   <a:srgbClr val="000000"/>
                 </a:solidFill>
@@ -405,7 +405,7 @@
           <a:p>
             <a:fld id="{F6F99430-91D6-4679-A776-697FD8BDCC50}" type="datetimeFigureOut">
               <a:rPr lang="en-US" smtClean="0"/>
-              <a:t>4/27/2014</a:t>
+              <a:t>4/28/2014</a:t>
             </a:fld>
             <a:endParaRPr lang="en-US"/>
           </a:p>
@@ -723,7 +723,7 @@
           <a:p>
             <a:fld id="{F6F99430-91D6-4679-A776-697FD8BDCC50}" type="datetimeFigureOut">
               <a:rPr lang="en-US" smtClean="0"/>
-              <a:t>4/27/2014</a:t>
+              <a:t>4/28/2014</a:t>
             </a:fld>
             <a:endParaRPr lang="en-US"/>
           </a:p>
@@ -1211,7 +1211,7 @@
           <a:p>
             <a:fld id="{F6F99430-91D6-4679-A776-697FD8BDCC50}" type="datetimeFigureOut">
               <a:rPr lang="en-US" smtClean="0"/>
-              <a:t>4/27/2014</a:t>
+              <a:t>4/28/2014</a:t>
             </a:fld>
             <a:endParaRPr lang="en-US"/>
           </a:p>
@@ -1580,7 +1580,7 @@
           <a:p>
             <a:fld id="{F6F99430-91D6-4679-A776-697FD8BDCC50}" type="datetimeFigureOut">
               <a:rPr lang="en-US" smtClean="0"/>
-              <a:t>4/27/2014</a:t>
+              <a:t>4/28/2014</a:t>
             </a:fld>
             <a:endParaRPr lang="en-US"/>
           </a:p>
@@ -1735,7 +1735,7 @@
           <a:ln/>
           <a:extLst>
             <a:ext uri="{91240B29-F687-4f45-9708-019B960494DF}">
-              <a14:hiddenLine xmlns="" xmlns:a14="http://schemas.microsoft.com/office/drawing/2010/main" w="9525">
+              <a14:hiddenLine xmlns:a14="http://schemas.microsoft.com/office/drawing/2010/main" xmlns="" w="9525">
                 <a:solidFill>
                   <a:srgbClr val="000000"/>
                 </a:solidFill>
@@ -1853,7 +1853,7 @@
           <a:p>
             <a:fld id="{F6F99430-91D6-4679-A776-697FD8BDCC50}" type="datetimeFigureOut">
               <a:rPr lang="en-US" smtClean="0"/>
-              <a:t>4/27/2014</a:t>
+              <a:t>4/28/2014</a:t>
             </a:fld>
             <a:endParaRPr lang="en-US"/>
           </a:p>
@@ -2010,7 +2010,7 @@
           <a:ln/>
           <a:extLst>
             <a:ext uri="{91240B29-F687-4f45-9708-019B960494DF}">
-              <a14:hiddenLine xmlns="" xmlns:a14="http://schemas.microsoft.com/office/drawing/2010/main" w="9525">
+              <a14:hiddenLine xmlns:a14="http://schemas.microsoft.com/office/drawing/2010/main" xmlns="" w="9525">
                 <a:solidFill>
                   <a:srgbClr val="000000"/>
                 </a:solidFill>
@@ -2138,7 +2138,7 @@
           <a:p>
             <a:fld id="{F6F99430-91D6-4679-A776-697FD8BDCC50}" type="datetimeFigureOut">
               <a:rPr lang="en-US" smtClean="0"/>
-              <a:t>4/27/2014</a:t>
+              <a:t>4/28/2014</a:t>
             </a:fld>
             <a:endParaRPr lang="en-US"/>
           </a:p>
@@ -2293,7 +2293,7 @@
           <a:ln/>
           <a:extLst>
             <a:ext uri="{91240B29-F687-4f45-9708-019B960494DF}">
-              <a14:hiddenLine xmlns="" xmlns:a14="http://schemas.microsoft.com/office/drawing/2010/main" w="9525">
+              <a14:hiddenLine xmlns:a14="http://schemas.microsoft.com/office/drawing/2010/main" xmlns="" w="9525">
                 <a:solidFill>
                   <a:srgbClr val="000000"/>
                 </a:solidFill>
@@ -2421,7 +2421,7 @@
           <a:p>
             <a:fld id="{F6F99430-91D6-4679-A776-697FD8BDCC50}" type="datetimeFigureOut">
               <a:rPr lang="en-US" smtClean="0"/>
-              <a:t>4/27/2014</a:t>
+              <a:t>4/28/2014</a:t>
             </a:fld>
             <a:endParaRPr lang="en-US"/>
           </a:p>
@@ -2764,7 +2764,7 @@
           <a:p>
             <a:fld id="{F6F99430-91D6-4679-A776-697FD8BDCC50}" type="datetimeFigureOut">
               <a:rPr lang="en-US" smtClean="0"/>
-              <a:t>4/27/2014</a:t>
+              <a:t>4/28/2014</a:t>
             </a:fld>
             <a:endParaRPr lang="en-US"/>
           </a:p>
@@ -2919,7 +2919,7 @@
           <a:ln/>
           <a:extLst>
             <a:ext uri="{91240B29-F687-4f45-9708-019B960494DF}">
-              <a14:hiddenLine xmlns="" xmlns:a14="http://schemas.microsoft.com/office/drawing/2010/main" w="9525">
+              <a14:hiddenLine xmlns:a14="http://schemas.microsoft.com/office/drawing/2010/main" xmlns="" w="9525">
                 <a:solidFill>
                   <a:srgbClr val="000000"/>
                 </a:solidFill>
@@ -3103,7 +3103,7 @@
           <a:p>
             <a:fld id="{F6F99430-91D6-4679-A776-697FD8BDCC50}" type="datetimeFigureOut">
               <a:rPr lang="en-US" smtClean="0"/>
-              <a:t>4/27/2014</a:t>
+              <a:t>4/28/2014</a:t>
             </a:fld>
             <a:endParaRPr lang="en-US"/>
           </a:p>
@@ -3258,7 +3258,7 @@
           <a:ln/>
           <a:extLst>
             <a:ext uri="{91240B29-F687-4f45-9708-019B960494DF}">
-              <a14:hiddenLine xmlns="" xmlns:a14="http://schemas.microsoft.com/office/drawing/2010/main" w="9525">
+              <a14:hiddenLine xmlns:a14="http://schemas.microsoft.com/office/drawing/2010/main" xmlns="" w="9525">
                 <a:solidFill>
                   <a:srgbClr val="000000"/>
                 </a:solidFill>
@@ -3580,7 +3580,7 @@
           <a:p>
             <a:fld id="{F6F99430-91D6-4679-A776-697FD8BDCC50}" type="datetimeFigureOut">
               <a:rPr lang="en-US" smtClean="0"/>
-              <a:t>4/27/2014</a:t>
+              <a:t>4/28/2014</a:t>
             </a:fld>
             <a:endParaRPr lang="en-US"/>
           </a:p>
@@ -3735,7 +3735,7 @@
           <a:ln/>
           <a:extLst>
             <a:ext uri="{91240B29-F687-4f45-9708-019B960494DF}">
-              <a14:hiddenLine xmlns="" xmlns:a14="http://schemas.microsoft.com/office/drawing/2010/main" w="9525">
+              <a14:hiddenLine xmlns:a14="http://schemas.microsoft.com/office/drawing/2010/main" xmlns="" w="9525">
                 <a:solidFill>
                   <a:srgbClr val="000000"/>
                 </a:solidFill>
@@ -3801,7 +3801,7 @@
           <a:p>
             <a:fld id="{F6F99430-91D6-4679-A776-697FD8BDCC50}" type="datetimeFigureOut">
               <a:rPr lang="en-US" smtClean="0"/>
-              <a:t>4/27/2014</a:t>
+              <a:t>4/28/2014</a:t>
             </a:fld>
             <a:endParaRPr lang="en-US"/>
           </a:p>
@@ -3896,7 +3896,7 @@
           <a:p>
             <a:fld id="{F6F99430-91D6-4679-A776-697FD8BDCC50}" type="datetimeFigureOut">
               <a:rPr lang="en-US" smtClean="0"/>
-              <a:t>4/27/2014</a:t>
+              <a:t>4/28/2014</a:t>
             </a:fld>
             <a:endParaRPr lang="en-US"/>
           </a:p>
@@ -4164,7 +4164,7 @@
           <a:ln/>
           <a:extLst>
             <a:ext uri="{91240B29-F687-4f45-9708-019B960494DF}">
-              <a14:hiddenLine xmlns="" xmlns:a14="http://schemas.microsoft.com/office/drawing/2010/main" w="9525">
+              <a14:hiddenLine xmlns:a14="http://schemas.microsoft.com/office/drawing/2010/main" xmlns="" w="9525">
                 <a:solidFill>
                   <a:srgbClr val="000000"/>
                 </a:solidFill>
@@ -4363,7 +4363,7 @@
           <a:p>
             <a:fld id="{F6F99430-91D6-4679-A776-697FD8BDCC50}" type="datetimeFigureOut">
               <a:rPr lang="en-US" smtClean="0"/>
-              <a:t>4/27/2014</a:t>
+              <a:t>4/28/2014</a:t>
             </a:fld>
             <a:endParaRPr lang="en-US"/>
           </a:p>
@@ -4676,7 +4676,7 @@
           <a:p>
             <a:fld id="{F6F99430-91D6-4679-A776-697FD8BDCC50}" type="datetimeFigureOut">
               <a:rPr lang="en-US" smtClean="0"/>
-              <a:t>4/27/2014</a:t>
+              <a:t>4/28/2014</a:t>
             </a:fld>
             <a:endParaRPr lang="en-US"/>
           </a:p>
@@ -4946,7 +4946,7 @@
           <a:p>
             <a:fld id="{F6F99430-91D6-4679-A776-697FD8BDCC50}" type="datetimeFigureOut">
               <a:rPr lang="en-US" smtClean="0"/>
-              <a:t>4/27/2014</a:t>
+              <a:t>4/28/2014</a:t>
             </a:fld>
             <a:endParaRPr lang="en-US"/>
           </a:p>
@@ -6231,7 +6231,24 @@
               <a:rPr lang="en-US" sz="3600" dirty="0" smtClean="0">
                 <a:latin typeface="Eadui" panose="03020602040604030804" pitchFamily="66" charset="0"/>
               </a:rPr>
-              <a:t>User Log In</a:t>
+              <a:t>User Can Display Rules</a:t>
+            </a:r>
+          </a:p>
+          <a:p>
+            <a:pPr marL="0" indent="0" algn="ctr">
+              <a:buNone/>
+            </a:pPr>
+            <a:r>
+              <a:rPr lang="en-US" sz="3600" dirty="0" smtClean="0">
+                <a:latin typeface="Eadui" panose="03020602040604030804" pitchFamily="66" charset="0"/>
+              </a:rPr>
+              <a:t>User </a:t>
+            </a:r>
+            <a:r>
+              <a:rPr lang="en-US" sz="3600" dirty="0" smtClean="0">
+                <a:latin typeface="Eadui" panose="03020602040604030804" pitchFamily="66" charset="0"/>
+              </a:rPr>
+              <a:t>Log In</a:t>
             </a:r>
             <a:endParaRPr lang="en-US" sz="3600" dirty="0">
               <a:latin typeface="Eadui" panose="03020602040604030804" pitchFamily="66" charset="0"/>

--- a/ProjectDocumentation/M4hjong.pptx
+++ b/ProjectDocumentation/M4hjong.pptx
@@ -5500,6 +5500,13 @@
   <p:clrMapOvr>
     <a:masterClrMapping/>
   </p:clrMapOvr>
+  <p:timing>
+    <p:tnLst>
+      <p:par>
+        <p:cTn id="1" dur="indefinite" restart="never" nodeType="tmRoot"/>
+      </p:par>
+    </p:tnLst>
+  </p:timing>
 </p:sld>
 </file>
 
@@ -5623,6 +5630,13 @@
   <p:clrMapOvr>
     <a:masterClrMapping/>
   </p:clrMapOvr>
+  <p:timing>
+    <p:tnLst>
+      <p:par>
+        <p:cTn id="1" dur="indefinite" restart="never" nodeType="tmRoot"/>
+      </p:par>
+    </p:tnLst>
+  </p:timing>
 </p:sld>
 </file>
 
@@ -5659,12 +5673,30 @@
           <a:lstStyle/>
           <a:p>
             <a:r>
-              <a:rPr lang="en-US" dirty="0" smtClean="0">
+              <a:rPr lang="en-US" sz="4000" dirty="0" smtClean="0">
                 <a:latin typeface="Eadui" panose="03020602040604030804" pitchFamily="66" charset="0"/>
               </a:rPr>
-              <a:t>Mahjong is a card game played with tiles and fancy rules…</a:t>
-            </a:r>
-            <a:endParaRPr lang="en-US" dirty="0">
+              <a:t>Mahjong is </a:t>
+            </a:r>
+            <a:r>
+              <a:rPr lang="en-US" sz="4000" dirty="0" smtClean="0">
+                <a:latin typeface="Eadui" panose="03020602040604030804" pitchFamily="66" charset="0"/>
+              </a:rPr>
+              <a:t>basically a</a:t>
+            </a:r>
+            <a:r>
+              <a:rPr lang="en-US" sz="4000" dirty="0" smtClean="0">
+                <a:latin typeface="Eadui" panose="03020602040604030804" pitchFamily="66" charset="0"/>
+              </a:rPr>
+              <a:t> card </a:t>
+            </a:r>
+            <a:r>
+              <a:rPr lang="en-US" sz="4000" dirty="0" smtClean="0">
+                <a:latin typeface="Eadui" panose="03020602040604030804" pitchFamily="66" charset="0"/>
+              </a:rPr>
+              <a:t>game </a:t>
+            </a:r>
+            <a:endParaRPr lang="en-US" sz="4000" dirty="0">
               <a:latin typeface="Eadui" panose="03020602040604030804" pitchFamily="66" charset="0"/>
             </a:endParaRPr>
           </a:p>
@@ -5688,15 +5720,14 @@
               </a:ext>
             </a:extLst>
           </a:blip>
-          <a:srcRect/>
           <a:stretch>
             <a:fillRect/>
           </a:stretch>
         </p:blipFill>
         <p:spPr bwMode="auto">
           <a:xfrm>
-            <a:off x="2089328" y="2237133"/>
-            <a:ext cx="7415280" cy="4449168"/>
+            <a:off x="4755155" y="2251098"/>
+            <a:ext cx="6930340" cy="4158204"/>
           </a:xfrm>
           <a:prstGeom prst="rect">
             <a:avLst/>
@@ -5757,6 +5788,13 @@
   <p:clrMapOvr>
     <a:masterClrMapping/>
   </p:clrMapOvr>
+  <p:timing>
+    <p:tnLst>
+      <p:par>
+        <p:cTn id="1" dur="indefinite" restart="never" nodeType="tmRoot"/>
+      </p:par>
+    </p:tnLst>
+  </p:timing>
 </p:sld>
 </file>
 
@@ -5877,6 +5915,13 @@
   <p:clrMapOvr>
     <a:masterClrMapping/>
   </p:clrMapOvr>
+  <p:timing>
+    <p:tnLst>
+      <p:par>
+        <p:cTn id="1" dur="indefinite" restart="never" nodeType="tmRoot"/>
+      </p:par>
+    </p:tnLst>
+  </p:timing>
 </p:sld>
 </file>
 
@@ -5899,28 +5944,28 @@
       </p:grpSpPr>
       <p:sp>
         <p:nvSpPr>
-          <p:cNvPr id="2" name="Title 1"/>
-          <p:cNvSpPr>
-            <a:spLocks noGrp="1"/>
-          </p:cNvSpPr>
-          <p:nvPr>
-            <p:ph type="title"/>
+          <p:cNvPr id="6" name="Subtitle 5"/>
+          <p:cNvSpPr>
+            <a:spLocks noGrp="1"/>
+          </p:cNvSpPr>
+          <p:nvPr>
+            <p:ph type="subTitle" idx="1"/>
           </p:nvPr>
         </p:nvSpPr>
         <p:spPr/>
         <p:txBody>
-          <a:bodyPr/>
-          <a:lstStyle/>
-          <a:p>
-            <a:r>
-              <a:rPr lang="en-US" dirty="0" smtClean="0">
+          <a:bodyPr>
+            <a:noAutofit/>
+          </a:bodyPr>
+          <a:lstStyle/>
+          <a:p>
+            <a:r>
+              <a:rPr lang="en-US" sz="6600" dirty="0">
                 <a:latin typeface="Eadui" panose="03020602040604030804" pitchFamily="66" charset="0"/>
               </a:rPr>
               <a:t>On to Design!</a:t>
             </a:r>
-            <a:endParaRPr lang="en-US" dirty="0">
-              <a:latin typeface="Eadui" panose="03020602040604030804" pitchFamily="66" charset="0"/>
-            </a:endParaRPr>
+            <a:endParaRPr lang="en-US" sz="6600" dirty="0"/>
           </a:p>
         </p:txBody>
       </p:sp>
@@ -5940,7 +5985,7 @@
         </p:blipFill>
         <p:spPr>
           <a:xfrm>
-            <a:off x="1207239" y="2101474"/>
+            <a:off x="167147" y="289398"/>
             <a:ext cx="6325986" cy="4509610"/>
           </a:xfrm>
           <a:prstGeom prst="rect">
@@ -5956,7 +6001,7 @@
         </p:nvSpPr>
         <p:spPr>
           <a:xfrm>
-            <a:off x="5369116" y="2253802"/>
+            <a:off x="4506690" y="289398"/>
             <a:ext cx="4328217" cy="1077218"/>
           </a:xfrm>
           <a:prstGeom prst="rect">
@@ -5988,7 +6033,7 @@
         </p:nvSpPr>
         <p:spPr>
           <a:xfrm>
-            <a:off x="8834907" y="3437885"/>
+            <a:off x="8342587" y="1800237"/>
             <a:ext cx="3039414" cy="3046988"/>
           </a:xfrm>
           <a:prstGeom prst="rect">
@@ -6037,6 +6082,13 @@
   <p:clrMapOvr>
     <a:masterClrMapping/>
   </p:clrMapOvr>
+  <p:timing>
+    <p:tnLst>
+      <p:par>
+        <p:cTn id="1" dur="indefinite" restart="never" nodeType="tmRoot"/>
+      </p:par>
+    </p:tnLst>
+  </p:timing>
 </p:sld>
 </file>
 
@@ -6160,6 +6212,13 @@
   <p:clrMapOvr>
     <a:masterClrMapping/>
   </p:clrMapOvr>
+  <p:timing>
+    <p:tnLst>
+      <p:par>
+        <p:cTn id="1" dur="indefinite" restart="never" nodeType="tmRoot"/>
+      </p:par>
+    </p:tnLst>
+  </p:timing>
 </p:sld>
 </file>
 
@@ -6195,11 +6254,51 @@
           <a:bodyPr/>
           <a:lstStyle/>
           <a:p>
+            <a:pPr marL="0" indent="0" algn="ctr"/>
+            <a:r>
+              <a:rPr lang="en-US" dirty="0">
+                <a:latin typeface="Eadui" panose="03020602040604030804" pitchFamily="66" charset="0"/>
+              </a:rPr>
+              <a:t>Case 1:</a:t>
+            </a:r>
+            <a:br>
+              <a:rPr lang="en-US" dirty="0">
+                <a:latin typeface="Eadui" panose="03020602040604030804" pitchFamily="66" charset="0"/>
+              </a:rPr>
+            </a:br>
+            <a:r>
+              <a:rPr lang="en-US" dirty="0">
+                <a:latin typeface="Eadui" panose="03020602040604030804" pitchFamily="66" charset="0"/>
+              </a:rPr>
+              <a:t>User Can Display Rules</a:t>
+            </a:r>
+            <a:br>
+              <a:rPr lang="en-US" dirty="0">
+                <a:latin typeface="Eadui" panose="03020602040604030804" pitchFamily="66" charset="0"/>
+              </a:rPr>
+            </a:br>
+            <a:r>
+              <a:rPr lang="en-US" dirty="0">
+                <a:latin typeface="Eadui" panose="03020602040604030804" pitchFamily="66" charset="0"/>
+              </a:rPr>
+              <a:t>Case 2:</a:t>
+            </a:r>
+            <a:br>
+              <a:rPr lang="en-US" dirty="0">
+                <a:latin typeface="Eadui" panose="03020602040604030804" pitchFamily="66" charset="0"/>
+              </a:rPr>
+            </a:br>
+            <a:r>
+              <a:rPr lang="en-US" dirty="0">
+                <a:latin typeface="Eadui" panose="03020602040604030804" pitchFamily="66" charset="0"/>
+              </a:rPr>
+              <a:t>User Log </a:t>
+            </a:r>
             <a:r>
               <a:rPr lang="en-US" dirty="0" smtClean="0">
                 <a:latin typeface="Eadui" panose="03020602040604030804" pitchFamily="66" charset="0"/>
               </a:rPr>
-              <a:t>Use Case Demo</a:t>
+              <a:t>In</a:t>
             </a:r>
             <a:endParaRPr lang="en-US" dirty="0">
               <a:latin typeface="Eadui" panose="03020602040604030804" pitchFamily="66" charset="0"/>
@@ -6209,48 +6308,33 @@
       </p:sp>
       <p:sp>
         <p:nvSpPr>
-          <p:cNvPr id="3" name="Content Placeholder 2"/>
-          <p:cNvSpPr>
-            <a:spLocks noGrp="1"/>
-          </p:cNvSpPr>
-          <p:nvPr>
-            <p:ph idx="1"/>
-          </p:nvPr>
-        </p:nvSpPr>
-        <p:spPr/>
-        <p:txBody>
-          <a:bodyPr>
-            <a:normAutofit/>
+          <p:cNvPr id="5" name="TextBox 4"/>
+          <p:cNvSpPr txBox="1"/>
+          <p:nvPr/>
+        </p:nvSpPr>
+        <p:spPr>
+          <a:xfrm>
+            <a:off x="6761409" y="2885853"/>
+            <a:ext cx="5022761" cy="1107996"/>
+          </a:xfrm>
+          <a:prstGeom prst="rect">
+            <a:avLst/>
+          </a:prstGeom>
+          <a:noFill/>
+        </p:spPr>
+        <p:txBody>
+          <a:bodyPr wrap="square" rtlCol="0">
+            <a:spAutoFit/>
           </a:bodyPr>
           <a:lstStyle/>
           <a:p>
-            <a:pPr marL="0" indent="0" algn="ctr">
-              <a:buNone/>
-            </a:pPr>
-            <a:r>
-              <a:rPr lang="en-US" sz="3600" dirty="0" smtClean="0">
+            <a:r>
+              <a:rPr lang="en-US" sz="6600" dirty="0" smtClean="0">
                 <a:latin typeface="Eadui" panose="03020602040604030804" pitchFamily="66" charset="0"/>
               </a:rPr>
-              <a:t>User Can Display Rules</a:t>
-            </a:r>
-          </a:p>
-          <a:p>
-            <a:pPr marL="0" indent="0" algn="ctr">
-              <a:buNone/>
-            </a:pPr>
-            <a:r>
-              <a:rPr lang="en-US" sz="3600" dirty="0" smtClean="0">
-                <a:latin typeface="Eadui" panose="03020602040604030804" pitchFamily="66" charset="0"/>
-              </a:rPr>
-              <a:t>User </a:t>
-            </a:r>
-            <a:r>
-              <a:rPr lang="en-US" sz="3600" dirty="0" smtClean="0">
-                <a:latin typeface="Eadui" panose="03020602040604030804" pitchFamily="66" charset="0"/>
-              </a:rPr>
-              <a:t>Log In</a:t>
-            </a:r>
-            <a:endParaRPr lang="en-US" sz="3600" dirty="0">
+              <a:t>Use Cases</a:t>
+            </a:r>
+            <a:endParaRPr lang="en-US" sz="6600" dirty="0">
               <a:latin typeface="Eadui" panose="03020602040604030804" pitchFamily="66" charset="0"/>
             </a:endParaRPr>
           </a:p>
@@ -6266,6 +6350,13 @@
   <p:clrMapOvr>
     <a:masterClrMapping/>
   </p:clrMapOvr>
+  <p:timing>
+    <p:tnLst>
+      <p:par>
+        <p:cTn id="1" dur="indefinite" restart="never" nodeType="tmRoot"/>
+      </p:par>
+    </p:tnLst>
+  </p:timing>
 </p:sld>
 </file>
 
